--- a/Documentation/Тестирование_презентация.pptx
+++ b/Documentation/Тестирование_презентация.pptx
@@ -10,10 +10,13 @@
     <p:sldId id="262" r:id="rId4"/>
     <p:sldId id="263" r:id="rId5"/>
     <p:sldId id="264" r:id="rId6"/>
-    <p:sldId id="258" r:id="rId7"/>
-    <p:sldId id="259" r:id="rId8"/>
-    <p:sldId id="260" r:id="rId9"/>
-    <p:sldId id="261" r:id="rId10"/>
+    <p:sldId id="265" r:id="rId7"/>
+    <p:sldId id="266" r:id="rId8"/>
+    <p:sldId id="267" r:id="rId9"/>
+    <p:sldId id="258" r:id="rId10"/>
+    <p:sldId id="259" r:id="rId11"/>
+    <p:sldId id="260" r:id="rId12"/>
+    <p:sldId id="261" r:id="rId13"/>
   </p:sldIdLst>
   <p:sldSz cx="9144000" cy="6858000" type="screen4x3"/>
   <p:notesSz cx="6858000" cy="9144000"/>
@@ -122,6 +125,9 @@
             <p14:sldId id="262"/>
             <p14:sldId id="263"/>
             <p14:sldId id="264"/>
+            <p14:sldId id="265"/>
+            <p14:sldId id="266"/>
+            <p14:sldId id="267"/>
             <p14:sldId id="258"/>
             <p14:sldId id="259"/>
             <p14:sldId id="260"/>
@@ -3163,6 +3169,833 @@
 </p:sld>
 </file>
 
+<file path=ppt/slides/slide10.xml><?xml version="1.0" encoding="utf-8"?>
+<p:sld xmlns:a="http://schemas.openxmlformats.org/drawingml/2006/main" xmlns:r="http://schemas.openxmlformats.org/officeDocument/2006/relationships" xmlns:p="http://schemas.openxmlformats.org/presentationml/2006/main">
+  <p:cSld>
+    <p:spTree>
+      <p:nvGrpSpPr>
+        <p:cNvPr id="1" name=""/>
+        <p:cNvGrpSpPr/>
+        <p:nvPr/>
+      </p:nvGrpSpPr>
+      <p:grpSpPr>
+        <a:xfrm>
+          <a:off x="0" y="0"/>
+          <a:ext cx="0" cy="0"/>
+          <a:chOff x="0" y="0"/>
+          <a:chExt cx="0" cy="0"/>
+        </a:xfrm>
+      </p:grpSpPr>
+      <p:sp>
+        <p:nvSpPr>
+          <p:cNvPr id="2" name="Заголовок 1"/>
+          <p:cNvSpPr>
+            <a:spLocks noGrp="1"/>
+          </p:cNvSpPr>
+          <p:nvPr>
+            <p:ph type="title"/>
+          </p:nvPr>
+        </p:nvSpPr>
+        <p:spPr>
+          <a:xfrm>
+            <a:off x="0" y="274638"/>
+            <a:ext cx="9144000" cy="1143000"/>
+          </a:xfrm>
+        </p:spPr>
+        <p:txBody>
+          <a:bodyPr>
+            <a:normAutofit fontScale="90000"/>
+          </a:bodyPr>
+          <a:lstStyle/>
+          <a:p>
+            <a:r>
+              <a:rPr lang="ru-RU" dirty="0" smtClean="0"/>
+              <a:t>Цели тестирования производительности</a:t>
+            </a:r>
+            <a:endParaRPr lang="ru-RU" dirty="0"/>
+          </a:p>
+        </p:txBody>
+      </p:sp>
+      <p:graphicFrame>
+        <p:nvGraphicFramePr>
+          <p:cNvPr id="4" name="Таблица 3"/>
+          <p:cNvGraphicFramePr>
+            <a:graphicFrameLocks noGrp="1"/>
+          </p:cNvGraphicFramePr>
+          <p:nvPr>
+            <p:extLst>
+              <p:ext uri="{D42A27DB-BD31-4B8C-83A1-F6EECF244321}">
+                <p14:modId xmlns:p14="http://schemas.microsoft.com/office/powerpoint/2010/main" val="3386717915"/>
+              </p:ext>
+            </p:extLst>
+          </p:nvPr>
+        </p:nvGraphicFramePr>
+        <p:xfrm>
+          <a:off x="0" y="1268760"/>
+          <a:ext cx="9144000" cy="5436703"/>
+        </p:xfrm>
+        <a:graphic>
+          <a:graphicData uri="http://schemas.openxmlformats.org/drawingml/2006/table">
+            <a:tbl>
+              <a:tblPr firstRow="1" bandRow="1">
+                <a:tableStyleId>{3B4B98B0-60AC-42C2-AFA5-B58CD77FA1E5}</a:tableStyleId>
+              </a:tblPr>
+              <a:tblGrid>
+                <a:gridCol w="4572000"/>
+                <a:gridCol w="4572000"/>
+              </a:tblGrid>
+              <a:tr h="1008112">
+                <a:tc>
+                  <a:txBody>
+                    <a:bodyPr/>
+                    <a:lstStyle/>
+                    <a:p>
+                      <a:pPr marL="0" marR="0" indent="0" algn="l" defTabSz="914400" rtl="0" eaLnBrk="1" fontAlgn="auto" latinLnBrk="0" hangingPunct="1">
+                        <a:lnSpc>
+                          <a:spcPct val="100000"/>
+                        </a:lnSpc>
+                        <a:spcBef>
+                          <a:spcPts val="0"/>
+                        </a:spcBef>
+                        <a:spcAft>
+                          <a:spcPts val="0"/>
+                        </a:spcAft>
+                        <a:buClrTx/>
+                        <a:buSzTx/>
+                        <a:buFontTx/>
+                        <a:buNone/>
+                        <a:tabLst/>
+                        <a:defRPr/>
+                      </a:pPr>
+                      <a:r>
+                        <a:rPr lang="ru-RU" sz="2400" b="0" dirty="0" smtClean="0"/>
+                        <a:t>Убедиться, что система удовлетворяет требованиям</a:t>
+                      </a:r>
+                    </a:p>
+                  </a:txBody>
+                  <a:tcPr anchor="ctr">
+                    <a:lnL>
+                      <a:noFill/>
+                    </a:lnL>
+                    <a:lnR>
+                      <a:noFill/>
+                    </a:lnR>
+                    <a:lnT w="12700" cmpd="sng">
+                      <a:noFill/>
+                    </a:lnT>
+                    <a:lnB w="12700" cmpd="sng">
+                      <a:noFill/>
+                    </a:lnB>
+                    <a:lnTlToBr w="12700" cmpd="sng">
+                      <a:noFill/>
+                      <a:prstDash val="solid"/>
+                    </a:lnTlToBr>
+                    <a:lnBlToTr w="12700" cmpd="sng">
+                      <a:noFill/>
+                      <a:prstDash val="solid"/>
+                    </a:lnBlToTr>
+                  </a:tcPr>
+                </a:tc>
+                <a:tc>
+                  <a:txBody>
+                    <a:bodyPr/>
+                    <a:lstStyle/>
+                    <a:p>
+                      <a:endParaRPr lang="ru-RU" sz="2400" b="0" dirty="0"/>
+                    </a:p>
+                  </a:txBody>
+                  <a:tcPr>
+                    <a:lnL>
+                      <a:noFill/>
+                    </a:lnL>
+                    <a:lnR>
+                      <a:noFill/>
+                    </a:lnR>
+                    <a:lnT w="12700" cmpd="sng">
+                      <a:noFill/>
+                    </a:lnT>
+                    <a:lnB w="12700" cmpd="sng">
+                      <a:noFill/>
+                    </a:lnB>
+                    <a:lnTlToBr w="12700" cmpd="sng">
+                      <a:noFill/>
+                      <a:prstDash val="solid"/>
+                    </a:lnTlToBr>
+                    <a:lnBlToTr w="12700" cmpd="sng">
+                      <a:noFill/>
+                      <a:prstDash val="solid"/>
+                    </a:lnBlToTr>
+                  </a:tcPr>
+                </a:tc>
+              </a:tr>
+              <a:tr h="1368152">
+                <a:tc>
+                  <a:txBody>
+                    <a:bodyPr/>
+                    <a:lstStyle/>
+                    <a:p>
+                      <a:pPr marL="0" marR="0" indent="0" algn="l" defTabSz="914400" rtl="0" eaLnBrk="1" fontAlgn="auto" latinLnBrk="0" hangingPunct="1">
+                        <a:lnSpc>
+                          <a:spcPct val="100000"/>
+                        </a:lnSpc>
+                        <a:spcBef>
+                          <a:spcPts val="0"/>
+                        </a:spcBef>
+                        <a:spcAft>
+                          <a:spcPts val="0"/>
+                        </a:spcAft>
+                        <a:buClrTx/>
+                        <a:buSzTx/>
+                        <a:buFontTx/>
+                        <a:buNone/>
+                        <a:tabLst/>
+                        <a:defRPr/>
+                      </a:pPr>
+                      <a:r>
+                        <a:rPr lang="ru-RU" sz="2400" dirty="0" smtClean="0"/>
+                        <a:t>Определить максимальный уровень нагрузки для системы</a:t>
+                      </a:r>
+                    </a:p>
+                  </a:txBody>
+                  <a:tcPr anchor="ctr">
+                    <a:lnL>
+                      <a:noFill/>
+                    </a:lnL>
+                    <a:lnR>
+                      <a:noFill/>
+                    </a:lnR>
+                    <a:lnT w="12700" cmpd="sng">
+                      <a:noFill/>
+                    </a:lnT>
+                    <a:lnB>
+                      <a:noFill/>
+                    </a:lnB>
+                    <a:lnTlToBr w="12700" cmpd="sng">
+                      <a:noFill/>
+                      <a:prstDash val="solid"/>
+                    </a:lnTlToBr>
+                    <a:lnBlToTr w="12700" cmpd="sng">
+                      <a:noFill/>
+                      <a:prstDash val="solid"/>
+                    </a:lnBlToTr>
+                  </a:tcPr>
+                </a:tc>
+                <a:tc>
+                  <a:txBody>
+                    <a:bodyPr/>
+                    <a:lstStyle/>
+                    <a:p>
+                      <a:endParaRPr lang="ru-RU" sz="2400" b="0" dirty="0"/>
+                    </a:p>
+                  </a:txBody>
+                  <a:tcPr>
+                    <a:lnL>
+                      <a:noFill/>
+                    </a:lnL>
+                    <a:lnR>
+                      <a:noFill/>
+                    </a:lnR>
+                    <a:lnT w="12700" cmpd="sng">
+                      <a:noFill/>
+                    </a:lnT>
+                    <a:lnB>
+                      <a:noFill/>
+                    </a:lnB>
+                    <a:lnTlToBr w="12700" cmpd="sng">
+                      <a:noFill/>
+                      <a:prstDash val="solid"/>
+                    </a:lnTlToBr>
+                    <a:lnBlToTr w="12700" cmpd="sng">
+                      <a:noFill/>
+                      <a:prstDash val="solid"/>
+                    </a:lnBlToTr>
+                  </a:tcPr>
+                </a:tc>
+              </a:tr>
+              <a:tr h="1302715">
+                <a:tc>
+                  <a:txBody>
+                    <a:bodyPr/>
+                    <a:lstStyle/>
+                    <a:p>
+                      <a:pPr marL="0" marR="0" indent="0" algn="l" defTabSz="914400" rtl="0" eaLnBrk="1" fontAlgn="auto" latinLnBrk="0" hangingPunct="1">
+                        <a:lnSpc>
+                          <a:spcPct val="100000"/>
+                        </a:lnSpc>
+                        <a:spcBef>
+                          <a:spcPts val="0"/>
+                        </a:spcBef>
+                        <a:spcAft>
+                          <a:spcPts val="0"/>
+                        </a:spcAft>
+                        <a:buClrTx/>
+                        <a:buSzTx/>
+                        <a:buFontTx/>
+                        <a:buNone/>
+                        <a:tabLst/>
+                        <a:defRPr/>
+                      </a:pPr>
+                      <a:r>
+                        <a:rPr lang="ru-RU" sz="2400" dirty="0" smtClean="0"/>
+                        <a:t>Сравнить производительность систем</a:t>
+                      </a:r>
+                    </a:p>
+                  </a:txBody>
+                  <a:tcPr anchor="ctr">
+                    <a:lnL>
+                      <a:noFill/>
+                    </a:lnL>
+                    <a:lnR>
+                      <a:noFill/>
+                    </a:lnR>
+                    <a:lnT>
+                      <a:noFill/>
+                    </a:lnT>
+                    <a:lnB>
+                      <a:noFill/>
+                    </a:lnB>
+                    <a:lnTlToBr w="12700" cmpd="sng">
+                      <a:noFill/>
+                      <a:prstDash val="solid"/>
+                    </a:lnTlToBr>
+                    <a:lnBlToTr w="12700" cmpd="sng">
+                      <a:noFill/>
+                      <a:prstDash val="solid"/>
+                    </a:lnBlToTr>
+                  </a:tcPr>
+                </a:tc>
+                <a:tc>
+                  <a:txBody>
+                    <a:bodyPr/>
+                    <a:lstStyle/>
+                    <a:p>
+                      <a:endParaRPr lang="ru-RU" sz="2400" b="0" dirty="0"/>
+                    </a:p>
+                  </a:txBody>
+                  <a:tcPr>
+                    <a:lnL>
+                      <a:noFill/>
+                    </a:lnL>
+                    <a:lnR>
+                      <a:noFill/>
+                    </a:lnR>
+                    <a:lnT>
+                      <a:noFill/>
+                    </a:lnT>
+                    <a:lnB>
+                      <a:noFill/>
+                    </a:lnB>
+                    <a:lnTlToBr w="12700" cmpd="sng">
+                      <a:noFill/>
+                      <a:prstDash val="solid"/>
+                    </a:lnTlToBr>
+                    <a:lnBlToTr w="12700" cmpd="sng">
+                      <a:noFill/>
+                      <a:prstDash val="solid"/>
+                    </a:lnBlToTr>
+                  </a:tcPr>
+                </a:tc>
+              </a:tr>
+              <a:tr h="1757724">
+                <a:tc>
+                  <a:txBody>
+                    <a:bodyPr/>
+                    <a:lstStyle/>
+                    <a:p>
+                      <a:pPr marL="0" marR="0" indent="0" algn="l" defTabSz="914400" rtl="0" eaLnBrk="1" fontAlgn="auto" latinLnBrk="0" hangingPunct="1">
+                        <a:lnSpc>
+                          <a:spcPct val="100000"/>
+                        </a:lnSpc>
+                        <a:spcBef>
+                          <a:spcPts val="0"/>
+                        </a:spcBef>
+                        <a:spcAft>
+                          <a:spcPts val="0"/>
+                        </a:spcAft>
+                        <a:buClrTx/>
+                        <a:buSzTx/>
+                        <a:buFontTx/>
+                        <a:buNone/>
+                        <a:tabLst/>
+                        <a:defRPr/>
+                      </a:pPr>
+                      <a:r>
+                        <a:rPr lang="ru-RU" sz="2400" dirty="0" smtClean="0"/>
+                        <a:t>Определить, какие элементы нагрузки или части системы приводят к снижению производительности</a:t>
+                      </a:r>
+                    </a:p>
+                  </a:txBody>
+                  <a:tcPr anchor="ctr">
+                    <a:lnL>
+                      <a:noFill/>
+                    </a:lnL>
+                    <a:lnR>
+                      <a:noFill/>
+                    </a:lnR>
+                    <a:lnT>
+                      <a:noFill/>
+                    </a:lnT>
+                    <a:lnB w="12700" cmpd="sng">
+                      <a:noFill/>
+                    </a:lnB>
+                    <a:lnTlToBr w="12700" cmpd="sng">
+                      <a:noFill/>
+                      <a:prstDash val="solid"/>
+                    </a:lnTlToBr>
+                    <a:lnBlToTr w="12700" cmpd="sng">
+                      <a:noFill/>
+                      <a:prstDash val="solid"/>
+                    </a:lnBlToTr>
+                  </a:tcPr>
+                </a:tc>
+                <a:tc>
+                  <a:txBody>
+                    <a:bodyPr/>
+                    <a:lstStyle/>
+                    <a:p>
+                      <a:endParaRPr lang="ru-RU" sz="2400" b="0" dirty="0"/>
+                    </a:p>
+                  </a:txBody>
+                  <a:tcPr>
+                    <a:lnL>
+                      <a:noFill/>
+                    </a:lnL>
+                    <a:lnR>
+                      <a:noFill/>
+                    </a:lnR>
+                    <a:lnT>
+                      <a:noFill/>
+                    </a:lnT>
+                    <a:lnB w="12700" cmpd="sng">
+                      <a:noFill/>
+                    </a:lnB>
+                    <a:lnTlToBr w="12700" cmpd="sng">
+                      <a:noFill/>
+                      <a:prstDash val="solid"/>
+                    </a:lnTlToBr>
+                    <a:lnBlToTr w="12700" cmpd="sng">
+                      <a:noFill/>
+                      <a:prstDash val="solid"/>
+                    </a:lnBlToTr>
+                  </a:tcPr>
+                </a:tc>
+              </a:tr>
+            </a:tbl>
+          </a:graphicData>
+        </a:graphic>
+      </p:graphicFrame>
+      <p:pic>
+        <p:nvPicPr>
+          <p:cNvPr id="8194" name="Picture 2" descr="\\Hinst-desktop\hinst\Изображения\Picture\My Art\Testing\Check.png"/>
+          <p:cNvPicPr>
+            <a:picLocks noChangeAspect="1" noChangeArrowheads="1"/>
+          </p:cNvPicPr>
+          <p:nvPr/>
+        </p:nvPicPr>
+        <p:blipFill>
+          <a:blip r:embed="rId2">
+            <a:extLst>
+              <a:ext uri="{28A0092B-C50C-407E-A947-70E740481C1C}">
+                <a14:useLocalDpi xmlns:a14="http://schemas.microsoft.com/office/drawing/2010/main" val="0"/>
+              </a:ext>
+            </a:extLst>
+          </a:blip>
+          <a:srcRect/>
+          <a:stretch>
+            <a:fillRect/>
+          </a:stretch>
+        </p:blipFill>
+        <p:spPr bwMode="auto">
+          <a:xfrm>
+            <a:off x="5076056" y="1628800"/>
+            <a:ext cx="600075" cy="517525"/>
+          </a:xfrm>
+          <a:prstGeom prst="rect">
+            <a:avLst/>
+          </a:prstGeom>
+          <a:noFill/>
+          <a:extLst>
+            <a:ext uri="{909E8E84-426E-40DD-AFC4-6F175D3DCCD1}">
+              <a14:hiddenFill xmlns:a14="http://schemas.microsoft.com/office/drawing/2010/main">
+                <a:solidFill>
+                  <a:srgbClr val="FFFFFF"/>
+                </a:solidFill>
+              </a14:hiddenFill>
+            </a:ext>
+          </a:extLst>
+        </p:spPr>
+      </p:pic>
+      <p:pic>
+        <p:nvPicPr>
+          <p:cNvPr id="8195" name="Picture 3" descr="\\Hinst-desktop\hinst\Изображения\Picture\My Art\Testing\Check.png"/>
+          <p:cNvPicPr>
+            <a:picLocks noChangeAspect="1" noChangeArrowheads="1"/>
+          </p:cNvPicPr>
+          <p:nvPr/>
+        </p:nvPicPr>
+        <p:blipFill>
+          <a:blip r:embed="rId2">
+            <a:extLst>
+              <a:ext uri="{28A0092B-C50C-407E-A947-70E740481C1C}">
+                <a14:useLocalDpi xmlns:a14="http://schemas.microsoft.com/office/drawing/2010/main" val="0"/>
+              </a:ext>
+            </a:extLst>
+          </a:blip>
+          <a:srcRect/>
+          <a:stretch>
+            <a:fillRect/>
+          </a:stretch>
+        </p:blipFill>
+        <p:spPr bwMode="auto">
+          <a:xfrm>
+            <a:off x="6444208" y="1628800"/>
+            <a:ext cx="600075" cy="517525"/>
+          </a:xfrm>
+          <a:prstGeom prst="rect">
+            <a:avLst/>
+          </a:prstGeom>
+          <a:noFill/>
+          <a:extLst>
+            <a:ext uri="{909E8E84-426E-40DD-AFC4-6F175D3DCCD1}">
+              <a14:hiddenFill xmlns:a14="http://schemas.microsoft.com/office/drawing/2010/main">
+                <a:solidFill>
+                  <a:srgbClr val="FFFFFF"/>
+                </a:solidFill>
+              </a14:hiddenFill>
+            </a:ext>
+          </a:extLst>
+        </p:spPr>
+      </p:pic>
+      <p:pic>
+        <p:nvPicPr>
+          <p:cNvPr id="8196" name="Picture 4" descr="\\Hinst-desktop\hinst\Изображения\Picture\My Art\Testing\Check.png"/>
+          <p:cNvPicPr>
+            <a:picLocks noChangeAspect="1" noChangeArrowheads="1"/>
+          </p:cNvPicPr>
+          <p:nvPr/>
+        </p:nvPicPr>
+        <p:blipFill>
+          <a:blip r:embed="rId2">
+            <a:extLst>
+              <a:ext uri="{28A0092B-C50C-407E-A947-70E740481C1C}">
+                <a14:useLocalDpi xmlns:a14="http://schemas.microsoft.com/office/drawing/2010/main" val="0"/>
+              </a:ext>
+            </a:extLst>
+          </a:blip>
+          <a:srcRect/>
+          <a:stretch>
+            <a:fillRect/>
+          </a:stretch>
+        </p:blipFill>
+        <p:spPr bwMode="auto">
+          <a:xfrm>
+            <a:off x="7812360" y="1628799"/>
+            <a:ext cx="600075" cy="517525"/>
+          </a:xfrm>
+          <a:prstGeom prst="rect">
+            <a:avLst/>
+          </a:prstGeom>
+          <a:noFill/>
+          <a:extLst>
+            <a:ext uri="{909E8E84-426E-40DD-AFC4-6F175D3DCCD1}">
+              <a14:hiddenFill xmlns:a14="http://schemas.microsoft.com/office/drawing/2010/main">
+                <a:solidFill>
+                  <a:srgbClr val="FFFFFF"/>
+                </a:solidFill>
+              </a14:hiddenFill>
+            </a:ext>
+          </a:extLst>
+        </p:spPr>
+      </p:pic>
+      <p:pic>
+        <p:nvPicPr>
+          <p:cNvPr id="8197" name="Picture 5" descr="\\Hinst-desktop\hinst\Изображения\Picture\My Art\Testing\Maximum.png"/>
+          <p:cNvPicPr>
+            <a:picLocks noChangeAspect="1" noChangeArrowheads="1"/>
+          </p:cNvPicPr>
+          <p:nvPr/>
+        </p:nvPicPr>
+        <p:blipFill>
+          <a:blip r:embed="rId3">
+            <a:extLst>
+              <a:ext uri="{28A0092B-C50C-407E-A947-70E740481C1C}">
+                <a14:useLocalDpi xmlns:a14="http://schemas.microsoft.com/office/drawing/2010/main" val="0"/>
+              </a:ext>
+            </a:extLst>
+          </a:blip>
+          <a:srcRect/>
+          <a:stretch>
+            <a:fillRect/>
+          </a:stretch>
+        </p:blipFill>
+        <p:spPr bwMode="auto">
+          <a:xfrm>
+            <a:off x="5592115" y="2276872"/>
+            <a:ext cx="2304255" cy="1343970"/>
+          </a:xfrm>
+          <a:prstGeom prst="rect">
+            <a:avLst/>
+          </a:prstGeom>
+          <a:noFill/>
+          <a:extLst>
+            <a:ext uri="{909E8E84-426E-40DD-AFC4-6F175D3DCCD1}">
+              <a14:hiddenFill xmlns:a14="http://schemas.microsoft.com/office/drawing/2010/main">
+                <a:solidFill>
+                  <a:srgbClr val="FFFFFF"/>
+                </a:solidFill>
+              </a14:hiddenFill>
+            </a:ext>
+          </a:extLst>
+        </p:spPr>
+      </p:pic>
+      <p:pic>
+        <p:nvPicPr>
+          <p:cNvPr id="8198" name="Picture 6" descr="\\Hinst-desktop\hinst\Изображения\Picture\My Art\Testing\Compare.png"/>
+          <p:cNvPicPr>
+            <a:picLocks noChangeAspect="1" noChangeArrowheads="1"/>
+          </p:cNvPicPr>
+          <p:nvPr/>
+        </p:nvPicPr>
+        <p:blipFill>
+          <a:blip r:embed="rId4">
+            <a:extLst>
+              <a:ext uri="{28A0092B-C50C-407E-A947-70E740481C1C}">
+                <a14:useLocalDpi xmlns:a14="http://schemas.microsoft.com/office/drawing/2010/main" val="0"/>
+              </a:ext>
+            </a:extLst>
+          </a:blip>
+          <a:srcRect/>
+          <a:stretch>
+            <a:fillRect/>
+          </a:stretch>
+        </p:blipFill>
+        <p:spPr bwMode="auto">
+          <a:xfrm>
+            <a:off x="5232074" y="3717032"/>
+            <a:ext cx="3024336" cy="1130560"/>
+          </a:xfrm>
+          <a:prstGeom prst="rect">
+            <a:avLst/>
+          </a:prstGeom>
+          <a:noFill/>
+          <a:extLst>
+            <a:ext uri="{909E8E84-426E-40DD-AFC4-6F175D3DCCD1}">
+              <a14:hiddenFill xmlns:a14="http://schemas.microsoft.com/office/drawing/2010/main">
+                <a:solidFill>
+                  <a:srgbClr val="FFFFFF"/>
+                </a:solidFill>
+              </a14:hiddenFill>
+            </a:ext>
+          </a:extLst>
+        </p:spPr>
+      </p:pic>
+      <p:pic>
+        <p:nvPicPr>
+          <p:cNvPr id="8199" name="Picture 7" descr="\\Hinst-desktop\hinst\Изображения\Picture\My Art\Testing\FindTightSpot.png"/>
+          <p:cNvPicPr>
+            <a:picLocks noChangeAspect="1" noChangeArrowheads="1"/>
+          </p:cNvPicPr>
+          <p:nvPr/>
+        </p:nvPicPr>
+        <p:blipFill>
+          <a:blip r:embed="rId5">
+            <a:extLst>
+              <a:ext uri="{28A0092B-C50C-407E-A947-70E740481C1C}">
+                <a14:useLocalDpi xmlns:a14="http://schemas.microsoft.com/office/drawing/2010/main" val="0"/>
+              </a:ext>
+            </a:extLst>
+          </a:blip>
+          <a:srcRect/>
+          <a:stretch>
+            <a:fillRect/>
+          </a:stretch>
+        </p:blipFill>
+        <p:spPr bwMode="auto">
+          <a:xfrm>
+            <a:off x="5871466" y="4960789"/>
+            <a:ext cx="1745558" cy="1733400"/>
+          </a:xfrm>
+          <a:prstGeom prst="rect">
+            <a:avLst/>
+          </a:prstGeom>
+          <a:noFill/>
+          <a:extLst>
+            <a:ext uri="{909E8E84-426E-40DD-AFC4-6F175D3DCCD1}">
+              <a14:hiddenFill xmlns:a14="http://schemas.microsoft.com/office/drawing/2010/main">
+                <a:solidFill>
+                  <a:srgbClr val="FFFFFF"/>
+                </a:solidFill>
+              </a14:hiddenFill>
+            </a:ext>
+          </a:extLst>
+        </p:spPr>
+      </p:pic>
+    </p:spTree>
+    <p:extLst>
+      <p:ext uri="{BB962C8B-B14F-4D97-AF65-F5344CB8AC3E}">
+        <p14:creationId xmlns:p14="http://schemas.microsoft.com/office/powerpoint/2010/main" val="824461756"/>
+      </p:ext>
+    </p:extLst>
+  </p:cSld>
+  <p:clrMapOvr>
+    <a:masterClrMapping/>
+  </p:clrMapOvr>
+</p:sld>
+</file>
+
+<file path=ppt/slides/slide11.xml><?xml version="1.0" encoding="utf-8"?>
+<p:sld xmlns:a="http://schemas.openxmlformats.org/drawingml/2006/main" xmlns:r="http://schemas.openxmlformats.org/officeDocument/2006/relationships" xmlns:p="http://schemas.openxmlformats.org/presentationml/2006/main">
+  <p:cSld>
+    <p:spTree>
+      <p:nvGrpSpPr>
+        <p:cNvPr id="1" name=""/>
+        <p:cNvGrpSpPr/>
+        <p:nvPr/>
+      </p:nvGrpSpPr>
+      <p:grpSpPr>
+        <a:xfrm>
+          <a:off x="0" y="0"/>
+          <a:ext cx="0" cy="0"/>
+          <a:chOff x="0" y="0"/>
+          <a:chExt cx="0" cy="0"/>
+        </a:xfrm>
+      </p:grpSpPr>
+      <p:sp>
+        <p:nvSpPr>
+          <p:cNvPr id="2" name="Заголовок 1"/>
+          <p:cNvSpPr>
+            <a:spLocks noGrp="1"/>
+          </p:cNvSpPr>
+          <p:nvPr>
+            <p:ph type="title"/>
+          </p:nvPr>
+        </p:nvSpPr>
+        <p:spPr/>
+        <p:txBody>
+          <a:bodyPr/>
+          <a:lstStyle/>
+          <a:p>
+            <a:r>
+              <a:rPr lang="en-US" dirty="0" smtClean="0"/>
+              <a:t>Graph editor</a:t>
+            </a:r>
+            <a:endParaRPr lang="ru-RU" dirty="0"/>
+          </a:p>
+        </p:txBody>
+      </p:sp>
+      <p:pic>
+        <p:nvPicPr>
+          <p:cNvPr id="4" name="Picture 5" descr="C:\Users\hinst\Docs\Pro\Coursework_2\Documentation\ScreenShots\ScreenHunter_23 Feb. 25 19.04.png"/>
+          <p:cNvPicPr>
+            <a:picLocks noGrp="1"/>
+          </p:cNvPicPr>
+          <p:nvPr>
+            <p:ph idx="1"/>
+          </p:nvPr>
+        </p:nvPicPr>
+        <p:blipFill>
+          <a:blip r:embed="rId2">
+            <a:extLst>
+              <a:ext uri="{BEBA8EAE-BF5A-486C-A8C5-ECC9F3942E4B}">
+                <a14:imgProps xmlns:a14="http://schemas.microsoft.com/office/drawing/2010/main">
+                  <a14:imgLayer r:embed="rId3">
+                    <a14:imgEffect>
+                      <a14:saturation sat="33000"/>
+                    </a14:imgEffect>
+                  </a14:imgLayer>
+                </a14:imgProps>
+              </a:ext>
+              <a:ext uri="{28A0092B-C50C-407E-A947-70E740481C1C}">
+                <a14:useLocalDpi xmlns:a14="http://schemas.microsoft.com/office/drawing/2010/main" val="0"/>
+              </a:ext>
+            </a:extLst>
+          </a:blip>
+          <a:srcRect/>
+          <a:stretch>
+            <a:fillRect/>
+          </a:stretch>
+        </p:blipFill>
+        <p:spPr bwMode="auto">
+          <a:xfrm>
+            <a:off x="543985" y="1268760"/>
+            <a:ext cx="8049404" cy="5184577"/>
+          </a:xfrm>
+          <a:prstGeom prst="rect">
+            <a:avLst/>
+          </a:prstGeom>
+          <a:noFill/>
+          <a:extLst/>
+        </p:spPr>
+      </p:pic>
+    </p:spTree>
+    <p:extLst>
+      <p:ext uri="{BB962C8B-B14F-4D97-AF65-F5344CB8AC3E}">
+        <p14:creationId xmlns:p14="http://schemas.microsoft.com/office/powerpoint/2010/main" val="1370743216"/>
+      </p:ext>
+    </p:extLst>
+  </p:cSld>
+  <p:clrMapOvr>
+    <a:masterClrMapping/>
+  </p:clrMapOvr>
+</p:sld>
+</file>
+
+<file path=ppt/slides/slide12.xml><?xml version="1.0" encoding="utf-8"?>
+<p:sld xmlns:a="http://schemas.openxmlformats.org/drawingml/2006/main" xmlns:r="http://schemas.openxmlformats.org/officeDocument/2006/relationships" xmlns:p="http://schemas.openxmlformats.org/presentationml/2006/main">
+  <p:cSld>
+    <p:spTree>
+      <p:nvGrpSpPr>
+        <p:cNvPr id="1" name=""/>
+        <p:cNvGrpSpPr/>
+        <p:nvPr/>
+      </p:nvGrpSpPr>
+      <p:grpSpPr>
+        <a:xfrm>
+          <a:off x="0" y="0"/>
+          <a:ext cx="0" cy="0"/>
+          <a:chOff x="0" y="0"/>
+          <a:chExt cx="0" cy="0"/>
+        </a:xfrm>
+      </p:grpSpPr>
+      <p:pic>
+        <p:nvPicPr>
+          <p:cNvPr id="4" name="Объект 3"/>
+          <p:cNvPicPr>
+            <a:picLocks noGrp="1"/>
+          </p:cNvPicPr>
+          <p:nvPr>
+            <p:ph idx="1"/>
+          </p:nvPr>
+        </p:nvPicPr>
+        <p:blipFill>
+          <a:blip r:embed="rId2"/>
+          <a:stretch>
+            <a:fillRect/>
+          </a:stretch>
+        </p:blipFill>
+        <p:spPr>
+          <a:xfrm>
+            <a:off x="0" y="764704"/>
+            <a:ext cx="9144000" cy="5377793"/>
+          </a:xfrm>
+          <a:prstGeom prst="rect">
+            <a:avLst/>
+          </a:prstGeom>
+        </p:spPr>
+      </p:pic>
+    </p:spTree>
+    <p:extLst>
+      <p:ext uri="{BB962C8B-B14F-4D97-AF65-F5344CB8AC3E}">
+        <p14:creationId xmlns:p14="http://schemas.microsoft.com/office/powerpoint/2010/main" val="2226643732"/>
+      </p:ext>
+    </p:extLst>
+  </p:cSld>
+  <p:clrMapOvr>
+    <a:masterClrMapping/>
+  </p:clrMapOvr>
+</p:sld>
+</file>
+
 <file path=ppt/slides/slide2.xml><?xml version="1.0" encoding="utf-8"?>
 <p:sld xmlns:a="http://schemas.openxmlformats.org/drawingml/2006/main" xmlns:r="http://schemas.openxmlformats.org/officeDocument/2006/relationships" xmlns:p="http://schemas.openxmlformats.org/presentationml/2006/main">
   <p:cSld>
@@ -4211,64 +5044,64 @@
         </p:nvSpPr>
         <p:spPr/>
         <p:txBody>
-          <a:bodyPr>
-            <a:normAutofit/>
-          </a:bodyPr>
-          <a:lstStyle/>
-          <a:p>
-            <a:r>
-              <a:rPr lang="ru-RU" dirty="0" smtClean="0"/>
-              <a:t>Критерии производительности</a:t>
-            </a:r>
-            <a:endParaRPr lang="ru-RU" dirty="0"/>
-          </a:p>
-        </p:txBody>
-      </p:sp>
-      <p:sp>
-        <p:nvSpPr>
-          <p:cNvPr id="3" name="Объект 2"/>
-          <p:cNvSpPr>
-            <a:spLocks noGrp="1"/>
-          </p:cNvSpPr>
-          <p:nvPr>
-            <p:ph idx="1"/>
-          </p:nvPr>
-        </p:nvSpPr>
-        <p:spPr/>
-        <p:txBody>
           <a:bodyPr/>
           <a:lstStyle/>
           <a:p>
             <a:r>
-              <a:rPr lang="ru-RU" dirty="0" smtClean="0"/>
-              <a:t>Скорость обработки запросов и выполнения задач</a:t>
-            </a:r>
-          </a:p>
-          <a:p>
-            <a:r>
-              <a:rPr lang="ru-RU" dirty="0" smtClean="0"/>
-              <a:t>Пропускная способность</a:t>
-            </a:r>
-          </a:p>
-          <a:p>
-            <a:r>
-              <a:rPr lang="ru-RU" dirty="0" smtClean="0"/>
-              <a:t>Время ответа сервера</a:t>
-            </a:r>
-          </a:p>
-          <a:p>
-            <a:r>
-              <a:rPr lang="ru-RU" dirty="0" smtClean="0"/>
-              <a:t>Время отображения элемента</a:t>
+              <a:rPr lang="en-US" dirty="0" smtClean="0"/>
+              <a:t>Capacity</a:t>
             </a:r>
             <a:endParaRPr lang="ru-RU" dirty="0"/>
           </a:p>
         </p:txBody>
       </p:sp>
+      <p:pic>
+        <p:nvPicPr>
+          <p:cNvPr id="4098" name="Picture 2" descr="\\Hinst-desktop\hinst\Изображения\Picture\My Art\Testing\Capacity.png"/>
+          <p:cNvPicPr>
+            <a:picLocks noGrp="1" noChangeAspect="1" noChangeArrowheads="1"/>
+          </p:cNvPicPr>
+          <p:nvPr>
+            <p:ph idx="1"/>
+          </p:nvPr>
+        </p:nvPicPr>
+        <p:blipFill>
+          <a:blip r:embed="rId2">
+            <a:extLst>
+              <a:ext uri="{28A0092B-C50C-407E-A947-70E740481C1C}">
+                <a14:useLocalDpi xmlns:a14="http://schemas.microsoft.com/office/drawing/2010/main" val="0"/>
+              </a:ext>
+            </a:extLst>
+          </a:blip>
+          <a:srcRect/>
+          <a:stretch>
+            <a:fillRect/>
+          </a:stretch>
+        </p:blipFill>
+        <p:spPr bwMode="auto">
+          <a:xfrm>
+            <a:off x="2005675" y="2132857"/>
+            <a:ext cx="5132650" cy="3460650"/>
+          </a:xfrm>
+          <a:prstGeom prst="rect">
+            <a:avLst/>
+          </a:prstGeom>
+          <a:noFill/>
+          <a:extLst>
+            <a:ext uri="{909E8E84-426E-40DD-AFC4-6F175D3DCCD1}">
+              <a14:hiddenFill xmlns:a14="http://schemas.microsoft.com/office/drawing/2010/main">
+                <a:solidFill>
+                  <a:srgbClr val="FFFFFF"/>
+                </a:solidFill>
+              </a14:hiddenFill>
+            </a:ext>
+          </a:extLst>
+        </p:spPr>
+      </p:pic>
     </p:spTree>
     <p:extLst>
       <p:ext uri="{BB962C8B-B14F-4D97-AF65-F5344CB8AC3E}">
-        <p14:creationId xmlns:p14="http://schemas.microsoft.com/office/powerpoint/2010/main" val="814860124"/>
+        <p14:creationId xmlns:p14="http://schemas.microsoft.com/office/powerpoint/2010/main" val="172426329"/>
       </p:ext>
     </p:extLst>
   </p:cSld>
@@ -4305,71 +5138,66 @@
             <p:ph type="title"/>
           </p:nvPr>
         </p:nvSpPr>
-        <p:spPr>
-          <a:xfrm>
-            <a:off x="0" y="274638"/>
-            <a:ext cx="9144000" cy="1143000"/>
-          </a:xfrm>
-        </p:spPr>
-        <p:txBody>
-          <a:bodyPr>
-            <a:normAutofit fontScale="90000"/>
-          </a:bodyPr>
-          <a:lstStyle/>
-          <a:p>
-            <a:r>
-              <a:rPr lang="ru-RU" dirty="0" smtClean="0"/>
-              <a:t>Цели тестирования производительности</a:t>
-            </a:r>
-            <a:endParaRPr lang="ru-RU" dirty="0"/>
-          </a:p>
-        </p:txBody>
-      </p:sp>
-      <p:sp>
-        <p:nvSpPr>
-          <p:cNvPr id="3" name="Объект 2"/>
-          <p:cNvSpPr>
-            <a:spLocks noGrp="1"/>
-          </p:cNvSpPr>
-          <p:nvPr>
-            <p:ph idx="1"/>
-          </p:nvPr>
-        </p:nvSpPr>
         <p:spPr/>
         <p:txBody>
           <a:bodyPr/>
           <a:lstStyle/>
           <a:p>
             <a:r>
-              <a:rPr lang="ru-RU" dirty="0" smtClean="0"/>
-              <a:t>Убедиться, что система удовлетворяет требованиям</a:t>
-            </a:r>
-          </a:p>
-          <a:p>
-            <a:r>
-              <a:rPr lang="ru-RU" dirty="0" smtClean="0"/>
-              <a:t>Определить максимальный уровень нагрузки для системы</a:t>
-            </a:r>
-          </a:p>
-          <a:p>
-            <a:r>
-              <a:rPr lang="ru-RU" dirty="0" smtClean="0"/>
-              <a:t>Сравнить производительность систем</a:t>
-            </a:r>
-          </a:p>
-          <a:p>
-            <a:r>
-              <a:rPr lang="ru-RU" dirty="0" smtClean="0"/>
-              <a:t>Определить, какие элементы нагрузки или части системы приводят к снижению производительности</a:t>
+              <a:rPr lang="en-US" dirty="0" smtClean="0"/>
+              <a:t>Configuration</a:t>
             </a:r>
             <a:endParaRPr lang="ru-RU" dirty="0"/>
           </a:p>
         </p:txBody>
       </p:sp>
+      <p:pic>
+        <p:nvPicPr>
+          <p:cNvPr id="5122" name="Picture 2" descr="\\Hinst-desktop\hinst\Изображения\Picture\My Art\Testing\Configuration.png"/>
+          <p:cNvPicPr>
+            <a:picLocks noGrp="1" noChangeAspect="1" noChangeArrowheads="1"/>
+          </p:cNvPicPr>
+          <p:nvPr>
+            <p:ph idx="1"/>
+          </p:nvPr>
+        </p:nvPicPr>
+        <p:blipFill>
+          <a:blip r:embed="rId2">
+            <a:extLst>
+              <a:ext uri="{28A0092B-C50C-407E-A947-70E740481C1C}">
+                <a14:useLocalDpi xmlns:a14="http://schemas.microsoft.com/office/drawing/2010/main" val="0"/>
+              </a:ext>
+            </a:extLst>
+          </a:blip>
+          <a:srcRect/>
+          <a:stretch>
+            <a:fillRect/>
+          </a:stretch>
+        </p:blipFill>
+        <p:spPr bwMode="auto">
+          <a:xfrm>
+            <a:off x="1475656" y="1952462"/>
+            <a:ext cx="6192688" cy="3821438"/>
+          </a:xfrm>
+          <a:prstGeom prst="rect">
+            <a:avLst/>
+          </a:prstGeom>
+          <a:noFill/>
+          <a:extLst>
+            <a:ext uri="{909E8E84-426E-40DD-AFC4-6F175D3DCCD1}">
+              <a14:hiddenFill xmlns:a14="http://schemas.microsoft.com/office/drawing/2010/main">
+                <a:solidFill>
+                  <a:srgbClr val="FFFFFF"/>
+                </a:solidFill>
+              </a14:hiddenFill>
+            </a:ext>
+          </a:extLst>
+        </p:spPr>
+      </p:pic>
     </p:spTree>
     <p:extLst>
       <p:ext uri="{BB962C8B-B14F-4D97-AF65-F5344CB8AC3E}">
-        <p14:creationId xmlns:p14="http://schemas.microsoft.com/office/powerpoint/2010/main" val="824461756"/>
+        <p14:creationId xmlns:p14="http://schemas.microsoft.com/office/powerpoint/2010/main" val="1340342611"/>
       </p:ext>
     </p:extLst>
   </p:cSld>
@@ -4413,7 +5241,7 @@
           <a:p>
             <a:r>
               <a:rPr lang="en-US" dirty="0" smtClean="0"/>
-              <a:t>Graph editor</a:t>
+              <a:t>Volume</a:t>
             </a:r>
             <a:endParaRPr lang="ru-RU" dirty="0"/>
           </a:p>
@@ -4421,9 +5249,9 @@
       </p:sp>
       <p:pic>
         <p:nvPicPr>
-          <p:cNvPr id="4" name="Picture 5" descr="C:\Users\hinst\Docs\Pro\Coursework_2\Documentation\ScreenShots\ScreenHunter_23 Feb. 25 19.04.png"/>
+          <p:cNvPr id="6146" name="Picture 2" descr="\\Hinst-desktop\hinst\Изображения\Picture\My Art\Testing\Volume.png"/>
           <p:cNvPicPr>
-            <a:picLocks noGrp="1"/>
+            <a:picLocks noGrp="1" noChangeAspect="1" noChangeArrowheads="1"/>
           </p:cNvPicPr>
           <p:nvPr>
             <p:ph idx="1"/>
@@ -4432,15 +5260,6 @@
         <p:blipFill>
           <a:blip r:embed="rId2">
             <a:extLst>
-              <a:ext uri="{BEBA8EAE-BF5A-486C-A8C5-ECC9F3942E4B}">
-                <a14:imgProps xmlns:a14="http://schemas.microsoft.com/office/drawing/2010/main">
-                  <a14:imgLayer r:embed="rId3">
-                    <a14:imgEffect>
-                      <a14:saturation sat="33000"/>
-                    </a14:imgEffect>
-                  </a14:imgLayer>
-                </a14:imgProps>
-              </a:ext>
               <a:ext uri="{28A0092B-C50C-407E-A947-70E740481C1C}">
                 <a14:useLocalDpi xmlns:a14="http://schemas.microsoft.com/office/drawing/2010/main" val="0"/>
               </a:ext>
@@ -4453,20 +5272,28 @@
         </p:blipFill>
         <p:spPr bwMode="auto">
           <a:xfrm>
-            <a:off x="543985" y="1268760"/>
-            <a:ext cx="8049404" cy="5184577"/>
+            <a:off x="1253280" y="2060849"/>
+            <a:ext cx="6637440" cy="3604666"/>
           </a:xfrm>
           <a:prstGeom prst="rect">
             <a:avLst/>
           </a:prstGeom>
           <a:noFill/>
-          <a:extLst/>
+          <a:extLst>
+            <a:ext uri="{909E8E84-426E-40DD-AFC4-6F175D3DCCD1}">
+              <a14:hiddenFill xmlns:a14="http://schemas.microsoft.com/office/drawing/2010/main">
+                <a:solidFill>
+                  <a:srgbClr val="FFFFFF"/>
+                </a:solidFill>
+              </a14:hiddenFill>
+            </a:ext>
+          </a:extLst>
         </p:spPr>
       </p:pic>
     </p:spTree>
     <p:extLst>
       <p:ext uri="{BB962C8B-B14F-4D97-AF65-F5344CB8AC3E}">
-        <p14:creationId xmlns:p14="http://schemas.microsoft.com/office/powerpoint/2010/main" val="1370743216"/>
+        <p14:creationId xmlns:p14="http://schemas.microsoft.com/office/powerpoint/2010/main" val="1536282773"/>
       </p:ext>
     </p:extLst>
   </p:cSld>
@@ -4493,36 +5320,678 @@
           <a:chExt cx="0" cy="0"/>
         </a:xfrm>
       </p:grpSpPr>
+      <p:sp>
+        <p:nvSpPr>
+          <p:cNvPr id="2" name="Заголовок 1"/>
+          <p:cNvSpPr>
+            <a:spLocks noGrp="1"/>
+          </p:cNvSpPr>
+          <p:nvPr>
+            <p:ph type="title"/>
+          </p:nvPr>
+        </p:nvSpPr>
+        <p:spPr/>
+        <p:txBody>
+          <a:bodyPr>
+            <a:normAutofit/>
+          </a:bodyPr>
+          <a:lstStyle/>
+          <a:p>
+            <a:r>
+              <a:rPr lang="ru-RU" dirty="0" smtClean="0"/>
+              <a:t>Критерии производительности</a:t>
+            </a:r>
+            <a:endParaRPr lang="ru-RU" dirty="0"/>
+          </a:p>
+        </p:txBody>
+      </p:sp>
+      <p:graphicFrame>
+        <p:nvGraphicFramePr>
+          <p:cNvPr id="4" name="Таблица 3"/>
+          <p:cNvGraphicFramePr>
+            <a:graphicFrameLocks noGrp="1"/>
+          </p:cNvGraphicFramePr>
+          <p:nvPr>
+            <p:extLst>
+              <p:ext uri="{D42A27DB-BD31-4B8C-83A1-F6EECF244321}">
+                <p14:modId xmlns:p14="http://schemas.microsoft.com/office/powerpoint/2010/main" val="2657349096"/>
+              </p:ext>
+            </p:extLst>
+          </p:nvPr>
+        </p:nvGraphicFramePr>
+        <p:xfrm>
+          <a:off x="8260" y="1340768"/>
+          <a:ext cx="9135740" cy="5517232"/>
+        </p:xfrm>
+        <a:graphic>
+          <a:graphicData uri="http://schemas.openxmlformats.org/drawingml/2006/table">
+            <a:tbl>
+              <a:tblPr firstRow="1" bandRow="1">
+                <a:tableStyleId>{5FD0F851-EC5A-4D38-B0AD-8093EC10F338}</a:tableStyleId>
+              </a:tblPr>
+              <a:tblGrid>
+                <a:gridCol w="4567870"/>
+                <a:gridCol w="4567870"/>
+              </a:tblGrid>
+              <a:tr h="1379308">
+                <a:tc>
+                  <a:txBody>
+                    <a:bodyPr/>
+                    <a:lstStyle/>
+                    <a:p>
+                      <a:pPr marL="0" lvl="0" indent="0" algn="ctr">
+                        <a:spcBef>
+                          <a:spcPct val="20000"/>
+                        </a:spcBef>
+                        <a:buFont typeface="Arial" pitchFamily="34" charset="0"/>
+                        <a:buNone/>
+                      </a:pPr>
+                      <a:r>
+                        <a:rPr lang="ru-RU" sz="2400" b="0" dirty="0" smtClean="0">
+                          <a:solidFill>
+                            <a:prstClr val="black"/>
+                          </a:solidFill>
+                        </a:rPr>
+                        <a:t>Скорость обработки запросов </a:t>
+                      </a:r>
+                      <a:endParaRPr lang="en-US" sz="2400" b="0" dirty="0" smtClean="0">
+                        <a:solidFill>
+                          <a:prstClr val="black"/>
+                        </a:solidFill>
+                      </a:endParaRPr>
+                    </a:p>
+                    <a:p>
+                      <a:pPr lvl="0" algn="ctr">
+                        <a:spcBef>
+                          <a:spcPct val="20000"/>
+                        </a:spcBef>
+                      </a:pPr>
+                      <a:r>
+                        <a:rPr lang="en-US" sz="2400" b="0" dirty="0" smtClean="0">
+                          <a:solidFill>
+                            <a:prstClr val="black"/>
+                          </a:solidFill>
+                        </a:rPr>
+                        <a:t>    </a:t>
+                      </a:r>
+                      <a:r>
+                        <a:rPr lang="ru-RU" sz="2400" b="0" dirty="0" smtClean="0">
+                          <a:solidFill>
+                            <a:prstClr val="black"/>
+                          </a:solidFill>
+                        </a:rPr>
+                        <a:t>и выполнения задач</a:t>
+                      </a:r>
+                      <a:endParaRPr lang="en-US" sz="2400" b="0" dirty="0" smtClean="0">
+                        <a:solidFill>
+                          <a:prstClr val="black"/>
+                        </a:solidFill>
+                      </a:endParaRPr>
+                    </a:p>
+                  </a:txBody>
+                  <a:tcPr anchor="ctr">
+                    <a:lnL>
+                      <a:noFill/>
+                    </a:lnL>
+                    <a:lnR>
+                      <a:noFill/>
+                    </a:lnR>
+                    <a:lnT w="12700" cmpd="sng">
+                      <a:noFill/>
+                    </a:lnT>
+                    <a:lnB>
+                      <a:noFill/>
+                    </a:lnB>
+                    <a:lnTlToBr w="12700" cmpd="sng">
+                      <a:noFill/>
+                      <a:prstDash val="solid"/>
+                    </a:lnTlToBr>
+                    <a:lnBlToTr w="12700" cmpd="sng">
+                      <a:noFill/>
+                      <a:prstDash val="solid"/>
+                    </a:lnBlToTr>
+                  </a:tcPr>
+                </a:tc>
+                <a:tc>
+                  <a:txBody>
+                    <a:bodyPr/>
+                    <a:lstStyle/>
+                    <a:p>
+                      <a:endParaRPr lang="ru-RU" sz="2400" b="0" dirty="0"/>
+                    </a:p>
+                  </a:txBody>
+                  <a:tcPr>
+                    <a:lnL>
+                      <a:noFill/>
+                    </a:lnL>
+                    <a:lnR>
+                      <a:noFill/>
+                    </a:lnR>
+                    <a:lnT w="12700" cmpd="sng">
+                      <a:noFill/>
+                    </a:lnT>
+                    <a:lnB>
+                      <a:noFill/>
+                    </a:lnB>
+                    <a:lnTlToBr w="12700" cmpd="sng">
+                      <a:noFill/>
+                      <a:prstDash val="solid"/>
+                    </a:lnTlToBr>
+                    <a:lnBlToTr w="12700" cmpd="sng">
+                      <a:noFill/>
+                      <a:prstDash val="solid"/>
+                    </a:lnBlToTr>
+                  </a:tcPr>
+                </a:tc>
+              </a:tr>
+              <a:tr h="1379308">
+                <a:tc>
+                  <a:txBody>
+                    <a:bodyPr/>
+                    <a:lstStyle/>
+                    <a:p>
+                      <a:pPr marL="0" marR="0" indent="0" algn="ctr" defTabSz="914400" rtl="0" eaLnBrk="1" fontAlgn="auto" latinLnBrk="0" hangingPunct="1">
+                        <a:lnSpc>
+                          <a:spcPct val="100000"/>
+                        </a:lnSpc>
+                        <a:spcBef>
+                          <a:spcPts val="0"/>
+                        </a:spcBef>
+                        <a:spcAft>
+                          <a:spcPts val="0"/>
+                        </a:spcAft>
+                        <a:buClrTx/>
+                        <a:buSzTx/>
+                        <a:buFontTx/>
+                        <a:buNone/>
+                        <a:tabLst/>
+                        <a:defRPr/>
+                      </a:pPr>
+                      <a:r>
+                        <a:rPr lang="ru-RU" sz="2400" b="0" dirty="0" smtClean="0"/>
+                        <a:t>Пропускная способность</a:t>
+                      </a:r>
+                      <a:endParaRPr lang="en-US" sz="2400" b="0" dirty="0" smtClean="0"/>
+                    </a:p>
+                  </a:txBody>
+                  <a:tcPr anchor="ctr">
+                    <a:lnL>
+                      <a:noFill/>
+                    </a:lnL>
+                    <a:lnR>
+                      <a:noFill/>
+                    </a:lnR>
+                    <a:lnT>
+                      <a:noFill/>
+                    </a:lnT>
+                    <a:lnB>
+                      <a:noFill/>
+                    </a:lnB>
+                    <a:lnTlToBr w="12700" cmpd="sng">
+                      <a:noFill/>
+                      <a:prstDash val="solid"/>
+                    </a:lnTlToBr>
+                    <a:lnBlToTr w="12700" cmpd="sng">
+                      <a:noFill/>
+                      <a:prstDash val="solid"/>
+                    </a:lnBlToTr>
+                  </a:tcPr>
+                </a:tc>
+                <a:tc>
+                  <a:txBody>
+                    <a:bodyPr/>
+                    <a:lstStyle/>
+                    <a:p>
+                      <a:endParaRPr lang="ru-RU" sz="2400" b="0" dirty="0"/>
+                    </a:p>
+                  </a:txBody>
+                  <a:tcPr>
+                    <a:lnL>
+                      <a:noFill/>
+                    </a:lnL>
+                    <a:lnR>
+                      <a:noFill/>
+                    </a:lnR>
+                    <a:lnT>
+                      <a:noFill/>
+                    </a:lnT>
+                    <a:lnB>
+                      <a:noFill/>
+                    </a:lnB>
+                    <a:lnTlToBr w="12700" cmpd="sng">
+                      <a:noFill/>
+                      <a:prstDash val="solid"/>
+                    </a:lnTlToBr>
+                    <a:lnBlToTr w="12700" cmpd="sng">
+                      <a:noFill/>
+                      <a:prstDash val="solid"/>
+                    </a:lnBlToTr>
+                  </a:tcPr>
+                </a:tc>
+              </a:tr>
+              <a:tr h="1379308">
+                <a:tc>
+                  <a:txBody>
+                    <a:bodyPr/>
+                    <a:lstStyle/>
+                    <a:p>
+                      <a:pPr marL="0" marR="0" indent="0" algn="ctr" defTabSz="914400" rtl="0" eaLnBrk="1" fontAlgn="auto" latinLnBrk="0" hangingPunct="1">
+                        <a:lnSpc>
+                          <a:spcPct val="100000"/>
+                        </a:lnSpc>
+                        <a:spcBef>
+                          <a:spcPts val="0"/>
+                        </a:spcBef>
+                        <a:spcAft>
+                          <a:spcPts val="0"/>
+                        </a:spcAft>
+                        <a:buClrTx/>
+                        <a:buSzTx/>
+                        <a:buFontTx/>
+                        <a:buNone/>
+                        <a:tabLst/>
+                        <a:defRPr/>
+                      </a:pPr>
+                      <a:r>
+                        <a:rPr lang="ru-RU" sz="2400" b="0" dirty="0" smtClean="0"/>
+                        <a:t>Время ответа сервера</a:t>
+                      </a:r>
+                      <a:endParaRPr lang="en-US" sz="2400" b="0" dirty="0" smtClean="0"/>
+                    </a:p>
+                  </a:txBody>
+                  <a:tcPr anchor="ctr">
+                    <a:lnL>
+                      <a:noFill/>
+                    </a:lnL>
+                    <a:lnR>
+                      <a:noFill/>
+                    </a:lnR>
+                    <a:lnT>
+                      <a:noFill/>
+                    </a:lnT>
+                    <a:lnB w="12700" cmpd="sng">
+                      <a:noFill/>
+                    </a:lnB>
+                    <a:lnTlToBr w="12700" cmpd="sng">
+                      <a:noFill/>
+                      <a:prstDash val="solid"/>
+                    </a:lnTlToBr>
+                    <a:lnBlToTr w="12700" cmpd="sng">
+                      <a:noFill/>
+                      <a:prstDash val="solid"/>
+                    </a:lnBlToTr>
+                  </a:tcPr>
+                </a:tc>
+                <a:tc>
+                  <a:txBody>
+                    <a:bodyPr/>
+                    <a:lstStyle/>
+                    <a:p>
+                      <a:endParaRPr lang="ru-RU" sz="2400" b="0" dirty="0"/>
+                    </a:p>
+                  </a:txBody>
+                  <a:tcPr>
+                    <a:lnL>
+                      <a:noFill/>
+                    </a:lnL>
+                    <a:lnR>
+                      <a:noFill/>
+                    </a:lnR>
+                    <a:lnT>
+                      <a:noFill/>
+                    </a:lnT>
+                    <a:lnB w="12700" cmpd="sng">
+                      <a:noFill/>
+                    </a:lnB>
+                    <a:lnTlToBr w="12700" cmpd="sng">
+                      <a:noFill/>
+                      <a:prstDash val="solid"/>
+                    </a:lnTlToBr>
+                    <a:lnBlToTr w="12700" cmpd="sng">
+                      <a:noFill/>
+                      <a:prstDash val="solid"/>
+                    </a:lnBlToTr>
+                  </a:tcPr>
+                </a:tc>
+              </a:tr>
+              <a:tr h="1379308">
+                <a:tc>
+                  <a:txBody>
+                    <a:bodyPr/>
+                    <a:lstStyle/>
+                    <a:p>
+                      <a:pPr marL="0" marR="0" indent="0" algn="ctr" defTabSz="914400" rtl="0" eaLnBrk="1" fontAlgn="auto" latinLnBrk="0" hangingPunct="1">
+                        <a:lnSpc>
+                          <a:spcPct val="100000"/>
+                        </a:lnSpc>
+                        <a:spcBef>
+                          <a:spcPts val="0"/>
+                        </a:spcBef>
+                        <a:spcAft>
+                          <a:spcPts val="0"/>
+                        </a:spcAft>
+                        <a:buClrTx/>
+                        <a:buSzTx/>
+                        <a:buFontTx/>
+                        <a:buNone/>
+                        <a:tabLst/>
+                        <a:defRPr/>
+                      </a:pPr>
+                      <a:r>
+                        <a:rPr lang="ru-RU" sz="2400" b="0" dirty="0" smtClean="0"/>
+                        <a:t>Время отображения элемента</a:t>
+                      </a:r>
+                    </a:p>
+                  </a:txBody>
+                  <a:tcPr anchor="ctr">
+                    <a:lnL>
+                      <a:noFill/>
+                    </a:lnL>
+                    <a:lnR>
+                      <a:noFill/>
+                    </a:lnR>
+                    <a:lnT>
+                      <a:noFill/>
+                    </a:lnT>
+                    <a:lnB w="12700" cmpd="sng">
+                      <a:noFill/>
+                    </a:lnB>
+                    <a:lnTlToBr w="12700" cmpd="sng">
+                      <a:noFill/>
+                      <a:prstDash val="solid"/>
+                    </a:lnTlToBr>
+                    <a:lnBlToTr w="12700" cmpd="sng">
+                      <a:noFill/>
+                      <a:prstDash val="solid"/>
+                    </a:lnBlToTr>
+                  </a:tcPr>
+                </a:tc>
+                <a:tc>
+                  <a:txBody>
+                    <a:bodyPr/>
+                    <a:lstStyle/>
+                    <a:p>
+                      <a:endParaRPr lang="ru-RU" sz="2400" b="0" dirty="0"/>
+                    </a:p>
+                  </a:txBody>
+                  <a:tcPr>
+                    <a:lnL>
+                      <a:noFill/>
+                    </a:lnL>
+                    <a:lnR>
+                      <a:noFill/>
+                    </a:lnR>
+                    <a:lnT>
+                      <a:noFill/>
+                    </a:lnT>
+                    <a:lnB w="12700" cmpd="sng">
+                      <a:noFill/>
+                    </a:lnB>
+                    <a:lnTlToBr w="12700" cmpd="sng">
+                      <a:noFill/>
+                      <a:prstDash val="solid"/>
+                    </a:lnTlToBr>
+                    <a:lnBlToTr w="12700" cmpd="sng">
+                      <a:noFill/>
+                      <a:prstDash val="solid"/>
+                    </a:lnBlToTr>
+                  </a:tcPr>
+                </a:tc>
+              </a:tr>
+            </a:tbl>
+          </a:graphicData>
+        </a:graphic>
+      </p:graphicFrame>
       <p:pic>
         <p:nvPicPr>
-          <p:cNvPr id="4" name="Объект 3"/>
+          <p:cNvPr id="7170" name="Picture 2" descr="\\Hinst-desktop\hinst\Изображения\Picture\My Art\Testing\Task speed.png"/>
           <p:cNvPicPr>
-            <a:picLocks noGrp="1"/>
+            <a:picLocks noChangeAspect="1" noChangeArrowheads="1"/>
           </p:cNvPicPr>
-          <p:nvPr>
-            <p:ph idx="1"/>
-          </p:nvPr>
+          <p:nvPr/>
         </p:nvPicPr>
         <p:blipFill>
-          <a:blip r:embed="rId2"/>
+          <a:blip r:embed="rId2">
+            <a:extLst>
+              <a:ext uri="{28A0092B-C50C-407E-A947-70E740481C1C}">
+                <a14:useLocalDpi xmlns:a14="http://schemas.microsoft.com/office/drawing/2010/main" val="0"/>
+              </a:ext>
+            </a:extLst>
+          </a:blip>
+          <a:srcRect/>
           <a:stretch>
             <a:fillRect/>
           </a:stretch>
         </p:blipFill>
-        <p:spPr>
+        <p:spPr bwMode="auto">
           <a:xfrm>
-            <a:off x="0" y="764704"/>
-            <a:ext cx="9144000" cy="5377793"/>
+            <a:off x="4826074" y="1348656"/>
+            <a:ext cx="1288256" cy="1288256"/>
           </a:xfrm>
           <a:prstGeom prst="rect">
             <a:avLst/>
           </a:prstGeom>
+          <a:noFill/>
+          <a:extLst>
+            <a:ext uri="{909E8E84-426E-40DD-AFC4-6F175D3DCCD1}">
+              <a14:hiddenFill xmlns:a14="http://schemas.microsoft.com/office/drawing/2010/main">
+                <a:solidFill>
+                  <a:srgbClr val="FFFFFF"/>
+                </a:solidFill>
+              </a14:hiddenFill>
+            </a:ext>
+          </a:extLst>
+        </p:spPr>
+      </p:pic>
+      <p:pic>
+        <p:nvPicPr>
+          <p:cNvPr id="7171" name="Picture 3" descr="\\Hinst-desktop\hinst\Изображения\Picture\My Art\Testing\User.png"/>
+          <p:cNvPicPr>
+            <a:picLocks noChangeAspect="1" noChangeArrowheads="1"/>
+          </p:cNvPicPr>
+          <p:nvPr/>
+        </p:nvPicPr>
+        <p:blipFill>
+          <a:blip r:embed="rId3">
+            <a:extLst>
+              <a:ext uri="{28A0092B-C50C-407E-A947-70E740481C1C}">
+                <a14:useLocalDpi xmlns:a14="http://schemas.microsoft.com/office/drawing/2010/main" val="0"/>
+              </a:ext>
+            </a:extLst>
+          </a:blip>
+          <a:srcRect/>
+          <a:stretch>
+            <a:fillRect/>
+          </a:stretch>
+        </p:blipFill>
+        <p:spPr bwMode="auto">
+          <a:xfrm>
+            <a:off x="4932040" y="2985641"/>
+            <a:ext cx="1076325" cy="944563"/>
+          </a:xfrm>
+          <a:prstGeom prst="rect">
+            <a:avLst/>
+          </a:prstGeom>
+          <a:noFill/>
+          <a:extLst>
+            <a:ext uri="{909E8E84-426E-40DD-AFC4-6F175D3DCCD1}">
+              <a14:hiddenFill xmlns:a14="http://schemas.microsoft.com/office/drawing/2010/main">
+                <a:solidFill>
+                  <a:srgbClr val="FFFFFF"/>
+                </a:solidFill>
+              </a14:hiddenFill>
+            </a:ext>
+          </a:extLst>
+        </p:spPr>
+      </p:pic>
+      <p:pic>
+        <p:nvPicPr>
+          <p:cNvPr id="7172" name="Picture 4" descr="\\Hinst-desktop\hinst\Изображения\Picture\My Art\Testing\User.png"/>
+          <p:cNvPicPr>
+            <a:picLocks noChangeAspect="1" noChangeArrowheads="1"/>
+          </p:cNvPicPr>
+          <p:nvPr/>
+        </p:nvPicPr>
+        <p:blipFill>
+          <a:blip r:embed="rId3">
+            <a:extLst>
+              <a:ext uri="{28A0092B-C50C-407E-A947-70E740481C1C}">
+                <a14:useLocalDpi xmlns:a14="http://schemas.microsoft.com/office/drawing/2010/main" val="0"/>
+              </a:ext>
+            </a:extLst>
+          </a:blip>
+          <a:srcRect/>
+          <a:stretch>
+            <a:fillRect/>
+          </a:stretch>
+        </p:blipFill>
+        <p:spPr bwMode="auto">
+          <a:xfrm>
+            <a:off x="6228184" y="2985640"/>
+            <a:ext cx="1076325" cy="944563"/>
+          </a:xfrm>
+          <a:prstGeom prst="rect">
+            <a:avLst/>
+          </a:prstGeom>
+          <a:noFill/>
+          <a:extLst>
+            <a:ext uri="{909E8E84-426E-40DD-AFC4-6F175D3DCCD1}">
+              <a14:hiddenFill xmlns:a14="http://schemas.microsoft.com/office/drawing/2010/main">
+                <a:solidFill>
+                  <a:srgbClr val="FFFFFF"/>
+                </a:solidFill>
+              </a14:hiddenFill>
+            </a:ext>
+          </a:extLst>
+        </p:spPr>
+      </p:pic>
+      <p:pic>
+        <p:nvPicPr>
+          <p:cNvPr id="7173" name="Picture 5" descr="\\Hinst-desktop\hinst\Изображения\Picture\My Art\Testing\User.png"/>
+          <p:cNvPicPr>
+            <a:picLocks noChangeAspect="1" noChangeArrowheads="1"/>
+          </p:cNvPicPr>
+          <p:nvPr/>
+        </p:nvPicPr>
+        <p:blipFill>
+          <a:blip r:embed="rId3">
+            <a:extLst>
+              <a:ext uri="{28A0092B-C50C-407E-A947-70E740481C1C}">
+                <a14:useLocalDpi xmlns:a14="http://schemas.microsoft.com/office/drawing/2010/main" val="0"/>
+              </a:ext>
+            </a:extLst>
+          </a:blip>
+          <a:srcRect/>
+          <a:stretch>
+            <a:fillRect/>
+          </a:stretch>
+        </p:blipFill>
+        <p:spPr bwMode="auto">
+          <a:xfrm>
+            <a:off x="7524328" y="2985765"/>
+            <a:ext cx="1076325" cy="944563"/>
+          </a:xfrm>
+          <a:prstGeom prst="rect">
+            <a:avLst/>
+          </a:prstGeom>
+          <a:noFill/>
+          <a:extLst>
+            <a:ext uri="{909E8E84-426E-40DD-AFC4-6F175D3DCCD1}">
+              <a14:hiddenFill xmlns:a14="http://schemas.microsoft.com/office/drawing/2010/main">
+                <a:solidFill>
+                  <a:srgbClr val="FFFFFF"/>
+                </a:solidFill>
+              </a14:hiddenFill>
+            </a:ext>
+          </a:extLst>
+        </p:spPr>
+      </p:pic>
+      <p:pic>
+        <p:nvPicPr>
+          <p:cNvPr id="7176" name="Picture 8" descr="\\Hinst-desktop\hinst\Изображения\Picture\My Art\Testing\Hourglass.png"/>
+          <p:cNvPicPr>
+            <a:picLocks noChangeAspect="1" noChangeArrowheads="1"/>
+          </p:cNvPicPr>
+          <p:nvPr/>
+        </p:nvPicPr>
+        <p:blipFill>
+          <a:blip r:embed="rId4">
+            <a:extLst>
+              <a:ext uri="{28A0092B-C50C-407E-A947-70E740481C1C}">
+                <a14:useLocalDpi xmlns:a14="http://schemas.microsoft.com/office/drawing/2010/main" val="0"/>
+              </a:ext>
+            </a:extLst>
+          </a:blip>
+          <a:srcRect/>
+          <a:stretch>
+            <a:fillRect/>
+          </a:stretch>
+        </p:blipFill>
+        <p:spPr bwMode="auto">
+          <a:xfrm>
+            <a:off x="7640212" y="4096866"/>
+            <a:ext cx="844556" cy="1381124"/>
+          </a:xfrm>
+          <a:prstGeom prst="rect">
+            <a:avLst/>
+          </a:prstGeom>
+          <a:noFill/>
+          <a:extLst>
+            <a:ext uri="{909E8E84-426E-40DD-AFC4-6F175D3DCCD1}">
+              <a14:hiddenFill xmlns:a14="http://schemas.microsoft.com/office/drawing/2010/main">
+                <a:solidFill>
+                  <a:srgbClr val="FFFFFF"/>
+                </a:solidFill>
+              </a14:hiddenFill>
+            </a:ext>
+          </a:extLst>
+        </p:spPr>
+      </p:pic>
+      <p:pic>
+        <p:nvPicPr>
+          <p:cNvPr id="7177" name="Picture 9" descr="\\Hinst-desktop\hinst\Изображения\Picture\My Art\Testing\WideBrush.png"/>
+          <p:cNvPicPr>
+            <a:picLocks noChangeAspect="1" noChangeArrowheads="1"/>
+          </p:cNvPicPr>
+          <p:nvPr/>
+        </p:nvPicPr>
+        <p:blipFill>
+          <a:blip r:embed="rId5">
+            <a:extLst>
+              <a:ext uri="{28A0092B-C50C-407E-A947-70E740481C1C}">
+                <a14:useLocalDpi xmlns:a14="http://schemas.microsoft.com/office/drawing/2010/main" val="0"/>
+              </a:ext>
+            </a:extLst>
+          </a:blip>
+          <a:srcRect/>
+          <a:stretch>
+            <a:fillRect/>
+          </a:stretch>
+        </p:blipFill>
+        <p:spPr bwMode="auto">
+          <a:xfrm>
+            <a:off x="5567909" y="5589240"/>
+            <a:ext cx="1736725" cy="1127125"/>
+          </a:xfrm>
+          <a:prstGeom prst="rect">
+            <a:avLst/>
+          </a:prstGeom>
+          <a:noFill/>
+          <a:extLst>
+            <a:ext uri="{909E8E84-426E-40DD-AFC4-6F175D3DCCD1}">
+              <a14:hiddenFill xmlns:a14="http://schemas.microsoft.com/office/drawing/2010/main">
+                <a:solidFill>
+                  <a:srgbClr val="FFFFFF"/>
+                </a:solidFill>
+              </a14:hiddenFill>
+            </a:ext>
+          </a:extLst>
         </p:spPr>
       </p:pic>
     </p:spTree>
     <p:extLst>
       <p:ext uri="{BB962C8B-B14F-4D97-AF65-F5344CB8AC3E}">
-        <p14:creationId xmlns:p14="http://schemas.microsoft.com/office/powerpoint/2010/main" val="2226643732"/>
+        <p14:creationId xmlns:p14="http://schemas.microsoft.com/office/powerpoint/2010/main" val="814860124"/>
       </p:ext>
     </p:extLst>
   </p:cSld>
